--- a/_site/slides/index.pptx
+++ b/_site/slides/index.pptx
@@ -300,7 +300,7 @@
             <a:fld id="{241EB5C9-1307-BA42-ABA2-0BC069CD8E7F}" type="datetimeFigureOut">
               <a:rPr lang="en-US" smtClean="0"/>
               <a:pPr/>
-              <a:t>9/30/22</a:t>
+              <a:t>9/24/23</a:t>
             </a:fld>
             <a:endParaRPr lang="en-US" dirty="0"/>
           </a:p>
@@ -393,10 +393,10 @@
       </p:sp>
       <p:pic>
         <p:nvPicPr>
-          <p:cNvPr id="7" name="Picture 6" descr="A picture containing text, primate, monitor, indoor&#10;&#10;Description automatically generated">
-            <a:extLst>
-              <a:ext uri="{FF2B5EF4-FFF2-40B4-BE49-F238E27FC236}">
-                <a16:creationId xmlns:a16="http://schemas.microsoft.com/office/drawing/2014/main" id="{B6FBD17D-F718-95C1-DDB9-BB5B65FE2BD9}"/>
+          <p:cNvPr id="9" name="Picture 8" descr="A cartoon monkey holding a magnifying glass&#10;&#10;Description automatically generated">
+            <a:extLst>
+              <a:ext uri="{FF2B5EF4-FFF2-40B4-BE49-F238E27FC236}">
+                <a16:creationId xmlns:a16="http://schemas.microsoft.com/office/drawing/2014/main" id="{E0280DB6-DDF3-4C1F-AC17-984168E43E44}"/>
               </a:ext>
             </a:extLst>
           </p:cNvPr>
@@ -413,8 +413,8 @@
         </p:blipFill>
         <p:spPr>
           <a:xfrm>
-            <a:off x="10913450" y="151609"/>
-            <a:ext cx="1063580" cy="1220148"/>
+            <a:off x="10668000" y="77267"/>
+            <a:ext cx="1524000" cy="1524000"/>
           </a:xfrm>
           <a:prstGeom prst="rect">
             <a:avLst/>
@@ -643,7 +643,7 @@
             <a:fld id="{241EB5C9-1307-BA42-ABA2-0BC069CD8E7F}" type="datetimeFigureOut">
               <a:rPr lang="en-US" smtClean="0"/>
               <a:pPr/>
-              <a:t>9/30/22</a:t>
+              <a:t>9/24/23</a:t>
             </a:fld>
             <a:endParaRPr lang="en-US"/>
           </a:p>
@@ -961,7 +961,7 @@
             <a:fld id="{241EB5C9-1307-BA42-ABA2-0BC069CD8E7F}" type="datetimeFigureOut">
               <a:rPr lang="en-US" smtClean="0"/>
               <a:pPr/>
-              <a:t>9/30/22</a:t>
+              <a:t>9/24/23</a:t>
             </a:fld>
             <a:endParaRPr lang="en-US"/>
           </a:p>
@@ -1277,7 +1277,7 @@
           <a:p>
             <a:fld id="{241EB5C9-1307-BA42-ABA2-0BC069CD8E7F}" type="datetimeFigureOut">
               <a:rPr lang="en-US" smtClean="0"/>
-              <a:t>9/30/22</a:t>
+              <a:t>9/24/23</a:t>
             </a:fld>
             <a:endParaRPr lang="en-US"/>
           </a:p>
@@ -1347,7 +1347,7 @@
       </p:sp>
       <p:pic>
         <p:nvPicPr>
-          <p:cNvPr id="7" name="Picture 6" descr="A picture containing text, primate, monitor, indoor&#10;&#10;Description automatically generated">
+          <p:cNvPr id="7" name="Picture 6">
             <a:extLst>
               <a:ext uri="{FF2B5EF4-FFF2-40B4-BE49-F238E27FC236}">
                 <a16:creationId xmlns:a16="http://schemas.microsoft.com/office/drawing/2014/main" id="{F4EFD39C-D04F-D648-B6B2-07092A492153}"/>
@@ -1361,14 +1361,13 @@
         </p:nvPicPr>
         <p:blipFill>
           <a:blip r:embed="rId2"/>
-          <a:stretch>
-            <a:fillRect/>
-          </a:stretch>
+          <a:srcRect/>
+          <a:stretch/>
         </p:blipFill>
         <p:spPr>
           <a:xfrm>
-            <a:off x="10964250" y="158272"/>
-            <a:ext cx="1063580" cy="1220148"/>
+            <a:off x="10964250" y="236556"/>
+            <a:ext cx="1063580" cy="1063580"/>
           </a:xfrm>
           <a:prstGeom prst="rect">
             <a:avLst/>
@@ -1624,7 +1623,7 @@
             <a:fld id="{241EB5C9-1307-BA42-ABA2-0BC069CD8E7F}" type="datetimeFigureOut">
               <a:rPr lang="en-US" smtClean="0"/>
               <a:pPr/>
-              <a:t>9/30/22</a:t>
+              <a:t>9/24/23</a:t>
             </a:fld>
             <a:endParaRPr lang="en-US"/>
           </a:p>
@@ -1817,7 +1816,7 @@
           <a:p>
             <a:fld id="{241EB5C9-1307-BA42-ABA2-0BC069CD8E7F}" type="datetimeFigureOut">
               <a:rPr lang="en-US" smtClean="0"/>
-              <a:t>9/30/22</a:t>
+              <a:t>9/24/23</a:t>
             </a:fld>
             <a:endParaRPr lang="en-US"/>
           </a:p>
@@ -1887,7 +1886,7 @@
       </p:sp>
       <p:pic>
         <p:nvPicPr>
-          <p:cNvPr id="3" name="Picture 2" descr="A picture containing text, primate, monitor, indoor&#10;&#10;Description automatically generated">
+          <p:cNvPr id="3" name="Picture 2">
             <a:extLst>
               <a:ext uri="{FF2B5EF4-FFF2-40B4-BE49-F238E27FC236}">
                 <a16:creationId xmlns:a16="http://schemas.microsoft.com/office/drawing/2014/main" id="{A8EB6A88-2E41-552F-6E71-A9DFA92F0663}"/>
@@ -1901,14 +1900,13 @@
         </p:nvPicPr>
         <p:blipFill>
           <a:blip r:embed="rId2"/>
-          <a:stretch>
-            <a:fillRect/>
-          </a:stretch>
+          <a:srcRect/>
+          <a:stretch/>
         </p:blipFill>
         <p:spPr>
           <a:xfrm>
-            <a:off x="10994730" y="131289"/>
-            <a:ext cx="1063580" cy="1220148"/>
+            <a:off x="10994730" y="209573"/>
+            <a:ext cx="1063580" cy="1063580"/>
           </a:xfrm>
           <a:prstGeom prst="rect">
             <a:avLst/>
@@ -2336,7 +2334,7 @@
             <a:fld id="{241EB5C9-1307-BA42-ABA2-0BC069CD8E7F}" type="datetimeFigureOut">
               <a:rPr lang="en-US" smtClean="0"/>
               <a:pPr/>
-              <a:t>9/30/22</a:t>
+              <a:t>9/24/23</a:t>
             </a:fld>
             <a:endParaRPr lang="en-US"/>
           </a:p>
@@ -2989,7 +2987,7 @@
             <a:fld id="{241EB5C9-1307-BA42-ABA2-0BC069CD8E7F}" type="datetimeFigureOut">
               <a:rPr lang="en-US" smtClean="0"/>
               <a:pPr/>
-              <a:t>9/30/22</a:t>
+              <a:t>9/24/23</a:t>
             </a:fld>
             <a:endParaRPr lang="en-US"/>
           </a:p>
@@ -3193,7 +3191,7 @@
             <a:fld id="{241EB5C9-1307-BA42-ABA2-0BC069CD8E7F}" type="datetimeFigureOut">
               <a:rPr lang="en-US" smtClean="0"/>
               <a:pPr/>
-              <a:t>9/30/22</a:t>
+              <a:t>9/24/23</a:t>
             </a:fld>
             <a:endParaRPr lang="en-US"/>
           </a:p>
@@ -3286,7 +3284,7 @@
       </p:sp>
       <p:pic>
         <p:nvPicPr>
-          <p:cNvPr id="6" name="Picture 5" descr="A picture containing text, primate, monitor, indoor&#10;&#10;Description automatically generated">
+          <p:cNvPr id="6" name="Picture 5">
             <a:extLst>
               <a:ext uri="{FF2B5EF4-FFF2-40B4-BE49-F238E27FC236}">
                 <a16:creationId xmlns:a16="http://schemas.microsoft.com/office/drawing/2014/main" id="{0D355E77-5B2E-A2EF-706B-9C4916EA9A9E}"/>
@@ -3300,14 +3298,13 @@
         </p:nvPicPr>
         <p:blipFill>
           <a:blip r:embed="rId2"/>
-          <a:stretch>
-            <a:fillRect/>
-          </a:stretch>
+          <a:srcRect/>
+          <a:stretch/>
         </p:blipFill>
         <p:spPr>
           <a:xfrm>
-            <a:off x="10994730" y="161769"/>
-            <a:ext cx="1063580" cy="1220148"/>
+            <a:off x="10994730" y="240053"/>
+            <a:ext cx="1063580" cy="1063580"/>
           </a:xfrm>
           <a:prstGeom prst="rect">
             <a:avLst/>
@@ -3367,7 +3364,7 @@
           <a:p>
             <a:fld id="{241EB5C9-1307-BA42-ABA2-0BC069CD8E7F}" type="datetimeFigureOut">
               <a:rPr lang="en-US" smtClean="0"/>
-              <a:t>9/30/22</a:t>
+              <a:t>9/24/23</a:t>
             </a:fld>
             <a:endParaRPr lang="en-US"/>
           </a:p>
@@ -3786,7 +3783,7 @@
             <a:fld id="{241EB5C9-1307-BA42-ABA2-0BC069CD8E7F}" type="datetimeFigureOut">
               <a:rPr lang="en-US" smtClean="0"/>
               <a:pPr/>
-              <a:t>9/30/22</a:t>
+              <a:t>9/24/23</a:t>
             </a:fld>
             <a:endParaRPr lang="en-US"/>
           </a:p>
@@ -4150,7 +4147,7 @@
             <a:fld id="{241EB5C9-1307-BA42-ABA2-0BC069CD8E7F}" type="datetimeFigureOut">
               <a:rPr lang="en-US" smtClean="0"/>
               <a:pPr/>
-              <a:t>9/30/22</a:t>
+              <a:t>9/24/23</a:t>
             </a:fld>
             <a:endParaRPr lang="en-US"/>
           </a:p>
@@ -4394,7 +4391,7 @@
             <a:fld id="{241EB5C9-1307-BA42-ABA2-0BC069CD8E7F}" type="datetimeFigureOut">
               <a:rPr lang="en-US" smtClean="0"/>
               <a:pPr/>
-              <a:t>9/30/22</a:t>
+              <a:t>9/24/23</a:t>
             </a:fld>
             <a:endParaRPr lang="en-US"/>
           </a:p>

--- a/_site/slides/index.pptx
+++ b/_site/slides/index.pptx
@@ -300,7 +300,7 @@
             <a:fld id="{241EB5C9-1307-BA42-ABA2-0BC069CD8E7F}" type="datetimeFigureOut">
               <a:rPr lang="en-US" smtClean="0"/>
               <a:pPr/>
-              <a:t>9/24/23</a:t>
+              <a:t>9/26/23</a:t>
             </a:fld>
             <a:endParaRPr lang="en-US" dirty="0"/>
           </a:p>
@@ -643,7 +643,7 @@
             <a:fld id="{241EB5C9-1307-BA42-ABA2-0BC069CD8E7F}" type="datetimeFigureOut">
               <a:rPr lang="en-US" smtClean="0"/>
               <a:pPr/>
-              <a:t>9/24/23</a:t>
+              <a:t>9/26/23</a:t>
             </a:fld>
             <a:endParaRPr lang="en-US"/>
           </a:p>
@@ -961,7 +961,7 @@
             <a:fld id="{241EB5C9-1307-BA42-ABA2-0BC069CD8E7F}" type="datetimeFigureOut">
               <a:rPr lang="en-US" smtClean="0"/>
               <a:pPr/>
-              <a:t>9/24/23</a:t>
+              <a:t>9/26/23</a:t>
             </a:fld>
             <a:endParaRPr lang="en-US"/>
           </a:p>
@@ -1277,7 +1277,7 @@
           <a:p>
             <a:fld id="{241EB5C9-1307-BA42-ABA2-0BC069CD8E7F}" type="datetimeFigureOut">
               <a:rPr lang="en-US" smtClean="0"/>
-              <a:t>9/24/23</a:t>
+              <a:t>9/26/23</a:t>
             </a:fld>
             <a:endParaRPr lang="en-US"/>
           </a:p>
@@ -1623,7 +1623,7 @@
             <a:fld id="{241EB5C9-1307-BA42-ABA2-0BC069CD8E7F}" type="datetimeFigureOut">
               <a:rPr lang="en-US" smtClean="0"/>
               <a:pPr/>
-              <a:t>9/24/23</a:t>
+              <a:t>9/26/23</a:t>
             </a:fld>
             <a:endParaRPr lang="en-US"/>
           </a:p>
@@ -1816,7 +1816,7 @@
           <a:p>
             <a:fld id="{241EB5C9-1307-BA42-ABA2-0BC069CD8E7F}" type="datetimeFigureOut">
               <a:rPr lang="en-US" smtClean="0"/>
-              <a:t>9/24/23</a:t>
+              <a:t>9/26/23</a:t>
             </a:fld>
             <a:endParaRPr lang="en-US"/>
           </a:p>
@@ -2334,7 +2334,7 @@
             <a:fld id="{241EB5C9-1307-BA42-ABA2-0BC069CD8E7F}" type="datetimeFigureOut">
               <a:rPr lang="en-US" smtClean="0"/>
               <a:pPr/>
-              <a:t>9/24/23</a:t>
+              <a:t>9/26/23</a:t>
             </a:fld>
             <a:endParaRPr lang="en-US"/>
           </a:p>
@@ -2987,7 +2987,7 @@
             <a:fld id="{241EB5C9-1307-BA42-ABA2-0BC069CD8E7F}" type="datetimeFigureOut">
               <a:rPr lang="en-US" smtClean="0"/>
               <a:pPr/>
-              <a:t>9/24/23</a:t>
+              <a:t>9/26/23</a:t>
             </a:fld>
             <a:endParaRPr lang="en-US"/>
           </a:p>
@@ -3191,7 +3191,7 @@
             <a:fld id="{241EB5C9-1307-BA42-ABA2-0BC069CD8E7F}" type="datetimeFigureOut">
               <a:rPr lang="en-US" smtClean="0"/>
               <a:pPr/>
-              <a:t>9/24/23</a:t>
+              <a:t>9/26/23</a:t>
             </a:fld>
             <a:endParaRPr lang="en-US"/>
           </a:p>
@@ -3364,7 +3364,7 @@
           <a:p>
             <a:fld id="{241EB5C9-1307-BA42-ABA2-0BC069CD8E7F}" type="datetimeFigureOut">
               <a:rPr lang="en-US" smtClean="0"/>
-              <a:t>9/24/23</a:t>
+              <a:t>9/26/23</a:t>
             </a:fld>
             <a:endParaRPr lang="en-US"/>
           </a:p>
@@ -3783,7 +3783,7 @@
             <a:fld id="{241EB5C9-1307-BA42-ABA2-0BC069CD8E7F}" type="datetimeFigureOut">
               <a:rPr lang="en-US" smtClean="0"/>
               <a:pPr/>
-              <a:t>9/24/23</a:t>
+              <a:t>9/26/23</a:t>
             </a:fld>
             <a:endParaRPr lang="en-US"/>
           </a:p>
@@ -4147,7 +4147,7 @@
             <a:fld id="{241EB5C9-1307-BA42-ABA2-0BC069CD8E7F}" type="datetimeFigureOut">
               <a:rPr lang="en-US" smtClean="0"/>
               <a:pPr/>
-              <a:t>9/24/23</a:t>
+              <a:t>9/26/23</a:t>
             </a:fld>
             <a:endParaRPr lang="en-US"/>
           </a:p>
@@ -4391,7 +4391,7 @@
             <a:fld id="{241EB5C9-1307-BA42-ABA2-0BC069CD8E7F}" type="datetimeFigureOut">
               <a:rPr lang="en-US" smtClean="0"/>
               <a:pPr/>
-              <a:t>9/24/23</a:t>
+              <a:t>9/26/23</a:t>
             </a:fld>
             <a:endParaRPr lang="en-US"/>
           </a:p>
